--- a/04-approximate-item-allocation/slides-2-ef1-roundrobin.pptx
+++ b/04-approximate-item-allocation/slides-2-ef1-roundrobin.pptx
@@ -122,6 +122,11 @@
       </a:defRPr>
     </a:lvl9pPr>
   </p:defaultTextStyle>
+  <p:extLst>
+    <p:ext uri="{EFAFB233-063F-42B5-8137-9DF3F51BA10A}">
+      <p15:sldGuideLst xmlns:p15="http://schemas.microsoft.com/office/powerpoint/2012/main"/>
+    </p:ext>
+  </p:extLst>
 </p:presentation>
 </file>
 
@@ -8186,7 +8191,7 @@
                 </a:solidFill>
                 <a:latin typeface="Tw Cen MT"/>
               </a:rPr>
-              <a:t>4/4/2025</a:t>
+              <a:t>4/20/2025</a:t>
             </a:fld>
             <a:endParaRPr lang="en-US" sz="1400" b="0" strike="noStrike" spc="-1">
               <a:latin typeface="Times New Roman"/>
@@ -9001,7 +9006,7 @@
     <mc:Choice Requires="p14">
       <p:transition spd="slow" p14:dur="3000"/>
     </mc:Choice>
-    <mc:Fallback xmlns:p15="http://schemas.microsoft.com/office/powerpoint/2012/main" xmlns="">
+    <mc:Fallback xmlns="" xmlns:p15="http://schemas.microsoft.com/office/powerpoint/2012/main">
       <p:transition spd="slow"/>
     </mc:Fallback>
   </mc:AlternateContent>
@@ -9237,6 +9242,56 @@
                 <a:latin typeface="Courier New"/>
                 <a:ea typeface="Noto Sans CJK SC Regular"/>
               </a:rPr>
+              <a:t>b</a:t>
+            </a:r>
+            <a:r>
+              <a:rPr lang="en-US" sz="4000" b="0" strike="noStrike" spc="-1">
+                <a:solidFill>
+                  <a:srgbClr val="0000CC"/>
+                </a:solidFill>
+                <a:latin typeface="Courier New"/>
+                <a:ea typeface="Noto Sans CJK SC Regular"/>
+              </a:rPr>
+              <a:t>)/w</a:t>
+            </a:r>
+            <a:r>
+              <a:rPr lang="en-US" sz="4000" b="0" strike="noStrike" spc="-1" baseline="-25000">
+                <a:solidFill>
+                  <a:srgbClr val="0000CC"/>
+                </a:solidFill>
+                <a:latin typeface="Courier New"/>
+                <a:ea typeface="Noto Sans CJK SC Regular"/>
+              </a:rPr>
+              <a:t>b</a:t>
+            </a:r>
+            <a:r>
+              <a:rPr lang="en-US" sz="4000" b="0" strike="noStrike" spc="-1" baseline="-14000000">
+                <a:solidFill>
+                  <a:srgbClr val="0000CC"/>
+                </a:solidFill>
+                <a:latin typeface="Courier New"/>
+                <a:ea typeface="Noto Sans CJK SC Regular"/>
+              </a:rPr>
+              <a:t>j </a:t>
+            </a:r>
+            <a:r>
+              <a:rPr lang="en-US" sz="4000" b="0" strike="noStrike" spc="-1">
+                <a:solidFill>
+                  <a:srgbClr val="0000CC"/>
+                </a:solidFill>
+                <a:latin typeface="Courier New"/>
+                <a:ea typeface="Noto Sans CJK SC Regular"/>
+              </a:rPr>
+              <a:t>- V</a:t>
+            </a:r>
+            <a:r>
+              <a:rPr lang="en-US" sz="4000" b="0" strike="noStrike" spc="-1" baseline="-25000">
+                <a:solidFill>
+                  <a:srgbClr val="0000CC"/>
+                </a:solidFill>
+                <a:latin typeface="Courier New"/>
+                <a:ea typeface="Noto Sans CJK SC Regular"/>
+              </a:rPr>
               <a:t>a</a:t>
             </a:r>
             <a:r>
@@ -9247,6 +9302,26 @@
                 <a:latin typeface="Courier New"/>
                 <a:ea typeface="Noto Sans CJK SC Regular"/>
               </a:rPr>
+              <a:t>(X</a:t>
+            </a:r>
+            <a:r>
+              <a:rPr lang="en-US" sz="4000" b="0" strike="noStrike" spc="-1" baseline="-25000">
+                <a:solidFill>
+                  <a:srgbClr val="0000CC"/>
+                </a:solidFill>
+                <a:latin typeface="Courier New"/>
+                <a:ea typeface="Noto Sans CJK SC Regular"/>
+              </a:rPr>
+              <a:t>a</a:t>
+            </a:r>
+            <a:r>
+              <a:rPr lang="en-US" sz="4000" b="0" strike="noStrike" spc="-1">
+                <a:solidFill>
+                  <a:srgbClr val="0000CC"/>
+                </a:solidFill>
+                <a:latin typeface="Courier New"/>
+                <a:ea typeface="Noto Sans CJK SC Regular"/>
+              </a:rPr>
               <a:t>)/w</a:t>
             </a:r>
             <a:r>
@@ -9258,76 +9333,6 @@
                 <a:ea typeface="Noto Sans CJK SC Regular"/>
               </a:rPr>
               <a:t>a</a:t>
-            </a:r>
-            <a:r>
-              <a:rPr lang="en-US" sz="4000" b="0" strike="noStrike" spc="-1" baseline="-14000000">
-                <a:solidFill>
-                  <a:srgbClr val="0000CC"/>
-                </a:solidFill>
-                <a:latin typeface="Courier New"/>
-                <a:ea typeface="Noto Sans CJK SC Regular"/>
-              </a:rPr>
-              <a:t>j </a:t>
-            </a:r>
-            <a:r>
-              <a:rPr lang="en-US" sz="4000" b="0" strike="noStrike" spc="-1">
-                <a:solidFill>
-                  <a:srgbClr val="0000CC"/>
-                </a:solidFill>
-                <a:latin typeface="Courier New"/>
-                <a:ea typeface="Noto Sans CJK SC Regular"/>
-              </a:rPr>
-              <a:t>- V</a:t>
-            </a:r>
-            <a:r>
-              <a:rPr lang="en-US" sz="4000" b="0" strike="noStrike" spc="-1" baseline="-25000">
-                <a:solidFill>
-                  <a:srgbClr val="0000CC"/>
-                </a:solidFill>
-                <a:latin typeface="Courier New"/>
-                <a:ea typeface="Noto Sans CJK SC Regular"/>
-              </a:rPr>
-              <a:t>b</a:t>
-            </a:r>
-            <a:r>
-              <a:rPr lang="en-US" sz="4000" b="0" strike="noStrike" spc="-1">
-                <a:solidFill>
-                  <a:srgbClr val="0000CC"/>
-                </a:solidFill>
-                <a:latin typeface="Courier New"/>
-                <a:ea typeface="Noto Sans CJK SC Regular"/>
-              </a:rPr>
-              <a:t>(X</a:t>
-            </a:r>
-            <a:r>
-              <a:rPr lang="en-US" sz="4000" b="0" strike="noStrike" spc="-1" baseline="-25000">
-                <a:solidFill>
-                  <a:srgbClr val="0000CC"/>
-                </a:solidFill>
-                <a:latin typeface="Courier New"/>
-                <a:ea typeface="Noto Sans CJK SC Regular"/>
-              </a:rPr>
-              <a:t>b</a:t>
-            </a:r>
-            <a:r>
-              <a:rPr lang="en-US" sz="4000" b="0" strike="noStrike" spc="-1">
-                <a:solidFill>
-                  <a:srgbClr val="0000CC"/>
-                </a:solidFill>
-                <a:latin typeface="Courier New"/>
-                <a:ea typeface="Noto Sans CJK SC Regular"/>
-              </a:rPr>
-              <a:t>)/w</a:t>
-            </a:r>
-            <a:r>
-              <a:rPr lang="en-US" sz="4000" b="0" strike="noStrike" spc="-1" baseline="-25000">
-                <a:solidFill>
-                  <a:srgbClr val="0000CC"/>
-                </a:solidFill>
-                <a:latin typeface="Courier New"/>
-                <a:ea typeface="Noto Sans CJK SC Regular"/>
-              </a:rPr>
-              <a:t>b</a:t>
             </a:r>
           </a:p>
           <a:p>
@@ -9681,7 +9686,7 @@
     <mc:Choice Requires="p14">
       <p:transition spd="slow" p14:dur="3000"/>
     </mc:Choice>
-    <mc:Fallback xmlns:p15="http://schemas.microsoft.com/office/powerpoint/2012/main" xmlns="">
+    <mc:Fallback xmlns="" xmlns:p15="http://schemas.microsoft.com/office/powerpoint/2012/main">
       <p:transition spd="slow"/>
     </mc:Fallback>
   </mc:AlternateContent>
@@ -10093,7 +10098,7 @@
     <mc:Choice Requires="p14">
       <p:transition spd="slow" p14:dur="3000"/>
     </mc:Choice>
-    <mc:Fallback xmlns:p15="http://schemas.microsoft.com/office/powerpoint/2012/main" xmlns="">
+    <mc:Fallback xmlns="" xmlns:p15="http://schemas.microsoft.com/office/powerpoint/2012/main">
       <p:transition spd="slow"/>
     </mc:Fallback>
   </mc:AlternateContent>
@@ -10523,7 +10528,7 @@
     <mc:Choice Requires="p14">
       <p:transition spd="slow" p14:dur="3000"/>
     </mc:Choice>
-    <mc:Fallback xmlns:p15="http://schemas.microsoft.com/office/powerpoint/2012/main" xmlns="">
+    <mc:Fallback xmlns="" xmlns:p15="http://schemas.microsoft.com/office/powerpoint/2012/main">
       <p:transition spd="slow"/>
     </mc:Fallback>
   </mc:AlternateContent>
@@ -11541,7 +11546,7 @@
     <mc:Choice Requires="p14">
       <p:transition spd="slow" p14:dur="3000"/>
     </mc:Choice>
-    <mc:Fallback xmlns:p15="http://schemas.microsoft.com/office/powerpoint/2012/main" xmlns="">
+    <mc:Fallback xmlns="" xmlns:p15="http://schemas.microsoft.com/office/powerpoint/2012/main">
       <p:transition spd="slow"/>
     </mc:Fallback>
   </mc:AlternateContent>
@@ -11946,7 +11951,7 @@
     <mc:Choice Requires="p14">
       <p:transition spd="slow" p14:dur="3000"/>
     </mc:Choice>
-    <mc:Fallback xmlns:p15="http://schemas.microsoft.com/office/powerpoint/2012/main" xmlns="">
+    <mc:Fallback xmlns="" xmlns:p15="http://schemas.microsoft.com/office/powerpoint/2012/main">
       <p:transition spd="slow"/>
     </mc:Fallback>
   </mc:AlternateContent>
@@ -12220,7 +12225,7 @@
     <mc:Choice Requires="p14">
       <p:transition spd="slow" p14:dur="3000"/>
     </mc:Choice>
-    <mc:Fallback xmlns:p15="http://schemas.microsoft.com/office/powerpoint/2012/main" xmlns="">
+    <mc:Fallback xmlns="" xmlns:p15="http://schemas.microsoft.com/office/powerpoint/2012/main">
       <p:transition spd="slow"/>
     </mc:Fallback>
   </mc:AlternateContent>
@@ -12709,7 +12714,7 @@
     <mc:Choice Requires="p14">
       <p:transition spd="slow" p14:dur="3000"/>
     </mc:Choice>
-    <mc:Fallback xmlns:p15="http://schemas.microsoft.com/office/powerpoint/2012/main" xmlns="">
+    <mc:Fallback xmlns="" xmlns:p15="http://schemas.microsoft.com/office/powerpoint/2012/main">
       <p:transition spd="slow"/>
     </mc:Fallback>
   </mc:AlternateContent>
@@ -13097,7 +13102,7 @@
     <mc:Choice Requires="p14">
       <p:transition spd="slow" p14:dur="3000"/>
     </mc:Choice>
-    <mc:Fallback xmlns:p15="http://schemas.microsoft.com/office/powerpoint/2012/main" xmlns="">
+    <mc:Fallback xmlns="" xmlns:p15="http://schemas.microsoft.com/office/powerpoint/2012/main">
       <p:transition spd="slow"/>
     </mc:Fallback>
   </mc:AlternateContent>
@@ -13504,7 +13509,7 @@
     <mc:Choice Requires="p14">
       <p:transition spd="slow" p14:dur="3000"/>
     </mc:Choice>
-    <mc:Fallback xmlns:p15="http://schemas.microsoft.com/office/powerpoint/2012/main" xmlns="">
+    <mc:Fallback xmlns="" xmlns:p15="http://schemas.microsoft.com/office/powerpoint/2012/main">
       <p:transition spd="slow"/>
     </mc:Fallback>
   </mc:AlternateContent>
@@ -14206,7 +14211,7 @@
     <mc:Choice Requires="p14">
       <p:transition spd="slow" p14:dur="3000"/>
     </mc:Choice>
-    <mc:Fallback xmlns:p15="http://schemas.microsoft.com/office/powerpoint/2012/main" xmlns="">
+    <mc:Fallback xmlns="" xmlns:p15="http://schemas.microsoft.com/office/powerpoint/2012/main">
       <p:transition spd="slow"/>
     </mc:Fallback>
   </mc:AlternateContent>
@@ -14482,6 +14487,56 @@
                 <a:latin typeface="Courier New"/>
                 <a:ea typeface="Noto Sans CJK SC Regular"/>
               </a:rPr>
+              <a:t>b</a:t>
+            </a:r>
+            <a:r>
+              <a:rPr lang="en-US" sz="4000" b="0" strike="noStrike" spc="-1">
+                <a:solidFill>
+                  <a:srgbClr val="0000CC"/>
+                </a:solidFill>
+                <a:latin typeface="Courier New"/>
+                <a:ea typeface="Noto Sans CJK SC Regular"/>
+              </a:rPr>
+              <a:t>)/w</a:t>
+            </a:r>
+            <a:r>
+              <a:rPr lang="en-US" sz="4000" b="0" strike="noStrike" spc="-1" baseline="-25000">
+                <a:solidFill>
+                  <a:srgbClr val="0000CC"/>
+                </a:solidFill>
+                <a:latin typeface="Courier New"/>
+                <a:ea typeface="Noto Sans CJK SC Regular"/>
+              </a:rPr>
+              <a:t>b</a:t>
+            </a:r>
+            <a:r>
+              <a:rPr lang="en-US" sz="4000" b="0" strike="noStrike" spc="-1" baseline="-14000000">
+                <a:solidFill>
+                  <a:srgbClr val="0000CC"/>
+                </a:solidFill>
+                <a:latin typeface="Courier New"/>
+                <a:ea typeface="Noto Sans CJK SC Regular"/>
+              </a:rPr>
+              <a:t>j </a:t>
+            </a:r>
+            <a:r>
+              <a:rPr lang="en-US" sz="4000" b="0" strike="noStrike" spc="-1">
+                <a:solidFill>
+                  <a:srgbClr val="0000CC"/>
+                </a:solidFill>
+                <a:latin typeface="Courier New"/>
+                <a:ea typeface="Noto Sans CJK SC Regular"/>
+              </a:rPr>
+              <a:t>- V</a:t>
+            </a:r>
+            <a:r>
+              <a:rPr lang="en-US" sz="4000" b="0" strike="noStrike" spc="-1" baseline="-25000">
+                <a:solidFill>
+                  <a:srgbClr val="0000CC"/>
+                </a:solidFill>
+                <a:latin typeface="Courier New"/>
+                <a:ea typeface="Noto Sans CJK SC Regular"/>
+              </a:rPr>
               <a:t>a</a:t>
             </a:r>
             <a:r>
@@ -14492,10 +14547,30 @@
                 <a:latin typeface="Courier New"/>
                 <a:ea typeface="Noto Sans CJK SC Regular"/>
               </a:rPr>
+              <a:t>(X</a:t>
+            </a:r>
+            <a:r>
+              <a:rPr lang="en-US" sz="4000" b="0" strike="noStrike" spc="-1" baseline="-25000">
+                <a:solidFill>
+                  <a:srgbClr val="0000CC"/>
+                </a:solidFill>
+                <a:latin typeface="Courier New"/>
+                <a:ea typeface="Noto Sans CJK SC Regular"/>
+              </a:rPr>
+              <a:t>a</a:t>
+            </a:r>
+            <a:r>
+              <a:rPr lang="en-US" sz="4000" b="0" strike="noStrike" spc="-1">
+                <a:solidFill>
+                  <a:srgbClr val="0000CC"/>
+                </a:solidFill>
+                <a:latin typeface="Courier New"/>
+                <a:ea typeface="Noto Sans CJK SC Regular"/>
+              </a:rPr>
               <a:t>)/w</a:t>
             </a:r>
             <a:r>
-              <a:rPr lang="en-US" sz="4000" b="0" strike="noStrike" spc="-1" baseline="-25000">
+              <a:rPr lang="en-US" sz="4000" spc="-1" baseline="-25000">
                 <a:solidFill>
                   <a:srgbClr val="0000CC"/>
                 </a:solidFill>
@@ -14503,76 +14578,6 @@
                 <a:ea typeface="Noto Sans CJK SC Regular"/>
               </a:rPr>
               <a:t>a</a:t>
-            </a:r>
-            <a:r>
-              <a:rPr lang="en-US" sz="4000" b="0" strike="noStrike" spc="-1" baseline="-14000000">
-                <a:solidFill>
-                  <a:srgbClr val="0000CC"/>
-                </a:solidFill>
-                <a:latin typeface="Courier New"/>
-                <a:ea typeface="Noto Sans CJK SC Regular"/>
-              </a:rPr>
-              <a:t>j </a:t>
-            </a:r>
-            <a:r>
-              <a:rPr lang="en-US" sz="4000" b="0" strike="noStrike" spc="-1">
-                <a:solidFill>
-                  <a:srgbClr val="0000CC"/>
-                </a:solidFill>
-                <a:latin typeface="Courier New"/>
-                <a:ea typeface="Noto Sans CJK SC Regular"/>
-              </a:rPr>
-              <a:t>- V</a:t>
-            </a:r>
-            <a:r>
-              <a:rPr lang="en-US" sz="4000" b="0" strike="noStrike" spc="-1" baseline="-25000">
-                <a:solidFill>
-                  <a:srgbClr val="0000CC"/>
-                </a:solidFill>
-                <a:latin typeface="Courier New"/>
-                <a:ea typeface="Noto Sans CJK SC Regular"/>
-              </a:rPr>
-              <a:t>b</a:t>
-            </a:r>
-            <a:r>
-              <a:rPr lang="en-US" sz="4000" b="0" strike="noStrike" spc="-1">
-                <a:solidFill>
-                  <a:srgbClr val="0000CC"/>
-                </a:solidFill>
-                <a:latin typeface="Courier New"/>
-                <a:ea typeface="Noto Sans CJK SC Regular"/>
-              </a:rPr>
-              <a:t>(X</a:t>
-            </a:r>
-            <a:r>
-              <a:rPr lang="en-US" sz="4000" b="0" strike="noStrike" spc="-1" baseline="-25000">
-                <a:solidFill>
-                  <a:srgbClr val="0000CC"/>
-                </a:solidFill>
-                <a:latin typeface="Courier New"/>
-                <a:ea typeface="Noto Sans CJK SC Regular"/>
-              </a:rPr>
-              <a:t>b</a:t>
-            </a:r>
-            <a:r>
-              <a:rPr lang="en-US" sz="4000" b="0" strike="noStrike" spc="-1">
-                <a:solidFill>
-                  <a:srgbClr val="0000CC"/>
-                </a:solidFill>
-                <a:latin typeface="Courier New"/>
-                <a:ea typeface="Noto Sans CJK SC Regular"/>
-              </a:rPr>
-              <a:t>)/w</a:t>
-            </a:r>
-            <a:r>
-              <a:rPr lang="en-US" sz="4000" b="0" strike="noStrike" spc="-1" baseline="-25000">
-                <a:solidFill>
-                  <a:srgbClr val="0000CC"/>
-                </a:solidFill>
-                <a:latin typeface="Courier New"/>
-                <a:ea typeface="Noto Sans CJK SC Regular"/>
-              </a:rPr>
-              <a:t>b</a:t>
             </a:r>
             <a:endParaRPr lang="en-US" sz="4000" b="0" strike="noStrike" spc="-1" baseline="-25000">
               <a:latin typeface="Arial"/>
@@ -15292,7 +15297,7 @@
     <mc:Choice Requires="p14">
       <p:transition spd="slow" p14:dur="3000"/>
     </mc:Choice>
-    <mc:Fallback xmlns:p15="http://schemas.microsoft.com/office/powerpoint/2012/main" xmlns="">
+    <mc:Fallback xmlns="" xmlns:p15="http://schemas.microsoft.com/office/powerpoint/2012/main">
       <p:transition spd="slow"/>
     </mc:Fallback>
   </mc:AlternateContent>
@@ -15776,6 +15781,56 @@
                 <a:latin typeface="Courier New"/>
                 <a:ea typeface="Noto Sans CJK SC Regular"/>
               </a:rPr>
+              <a:t>b</a:t>
+            </a:r>
+            <a:r>
+              <a:rPr lang="en-US" sz="4000" b="0" strike="noStrike" spc="-1">
+                <a:solidFill>
+                  <a:srgbClr val="0000CC"/>
+                </a:solidFill>
+                <a:latin typeface="Courier New"/>
+                <a:ea typeface="Noto Sans CJK SC Regular"/>
+              </a:rPr>
+              <a:t>)/w</a:t>
+            </a:r>
+            <a:r>
+              <a:rPr lang="en-US" sz="4000" b="0" strike="noStrike" spc="-1" baseline="-25000">
+                <a:solidFill>
+                  <a:srgbClr val="0000CC"/>
+                </a:solidFill>
+                <a:latin typeface="Courier New"/>
+                <a:ea typeface="Noto Sans CJK SC Regular"/>
+              </a:rPr>
+              <a:t>b</a:t>
+            </a:r>
+            <a:r>
+              <a:rPr lang="en-US" sz="4000" b="0" strike="noStrike" spc="-1" baseline="-14000000">
+                <a:solidFill>
+                  <a:srgbClr val="0000CC"/>
+                </a:solidFill>
+                <a:latin typeface="Courier New"/>
+                <a:ea typeface="Noto Sans CJK SC Regular"/>
+              </a:rPr>
+              <a:t>j </a:t>
+            </a:r>
+            <a:r>
+              <a:rPr lang="en-US" sz="4000" b="0" strike="noStrike" spc="-1">
+                <a:solidFill>
+                  <a:srgbClr val="0000CC"/>
+                </a:solidFill>
+                <a:latin typeface="Courier New"/>
+                <a:ea typeface="Noto Sans CJK SC Regular"/>
+              </a:rPr>
+              <a:t>- V</a:t>
+            </a:r>
+            <a:r>
+              <a:rPr lang="en-US" sz="4000" b="0" strike="noStrike" spc="-1" baseline="-25000">
+                <a:solidFill>
+                  <a:srgbClr val="0000CC"/>
+                </a:solidFill>
+                <a:latin typeface="Courier New"/>
+                <a:ea typeface="Noto Sans CJK SC Regular"/>
+              </a:rPr>
               <a:t>a</a:t>
             </a:r>
             <a:r>
@@ -15786,6 +15841,26 @@
                 <a:latin typeface="Courier New"/>
                 <a:ea typeface="Noto Sans CJK SC Regular"/>
               </a:rPr>
+              <a:t>(X</a:t>
+            </a:r>
+            <a:r>
+              <a:rPr lang="en-US" sz="4000" b="0" strike="noStrike" spc="-1" baseline="-25000">
+                <a:solidFill>
+                  <a:srgbClr val="0000CC"/>
+                </a:solidFill>
+                <a:latin typeface="Courier New"/>
+                <a:ea typeface="Noto Sans CJK SC Regular"/>
+              </a:rPr>
+              <a:t>a</a:t>
+            </a:r>
+            <a:r>
+              <a:rPr lang="en-US" sz="4000" b="0" strike="noStrike" spc="-1">
+                <a:solidFill>
+                  <a:srgbClr val="0000CC"/>
+                </a:solidFill>
+                <a:latin typeface="Courier New"/>
+                <a:ea typeface="Noto Sans CJK SC Regular"/>
+              </a:rPr>
               <a:t>)/w</a:t>
             </a:r>
             <a:r>
@@ -15797,76 +15872,6 @@
                 <a:ea typeface="Noto Sans CJK SC Regular"/>
               </a:rPr>
               <a:t>a</a:t>
-            </a:r>
-            <a:r>
-              <a:rPr lang="en-US" sz="4000" b="0" strike="noStrike" spc="-1" baseline="-14000000">
-                <a:solidFill>
-                  <a:srgbClr val="0000CC"/>
-                </a:solidFill>
-                <a:latin typeface="Courier New"/>
-                <a:ea typeface="Noto Sans CJK SC Regular"/>
-              </a:rPr>
-              <a:t>j </a:t>
-            </a:r>
-            <a:r>
-              <a:rPr lang="en-US" sz="4000" b="0" strike="noStrike" spc="-1">
-                <a:solidFill>
-                  <a:srgbClr val="0000CC"/>
-                </a:solidFill>
-                <a:latin typeface="Courier New"/>
-                <a:ea typeface="Noto Sans CJK SC Regular"/>
-              </a:rPr>
-              <a:t>- V</a:t>
-            </a:r>
-            <a:r>
-              <a:rPr lang="en-US" sz="4000" b="0" strike="noStrike" spc="-1" baseline="-25000">
-                <a:solidFill>
-                  <a:srgbClr val="0000CC"/>
-                </a:solidFill>
-                <a:latin typeface="Courier New"/>
-                <a:ea typeface="Noto Sans CJK SC Regular"/>
-              </a:rPr>
-              <a:t>b</a:t>
-            </a:r>
-            <a:r>
-              <a:rPr lang="en-US" sz="4000" b="0" strike="noStrike" spc="-1">
-                <a:solidFill>
-                  <a:srgbClr val="0000CC"/>
-                </a:solidFill>
-                <a:latin typeface="Courier New"/>
-                <a:ea typeface="Noto Sans CJK SC Regular"/>
-              </a:rPr>
-              <a:t>(X</a:t>
-            </a:r>
-            <a:r>
-              <a:rPr lang="en-US" sz="4000" b="0" strike="noStrike" spc="-1" baseline="-25000">
-                <a:solidFill>
-                  <a:srgbClr val="0000CC"/>
-                </a:solidFill>
-                <a:latin typeface="Courier New"/>
-                <a:ea typeface="Noto Sans CJK SC Regular"/>
-              </a:rPr>
-              <a:t>b</a:t>
-            </a:r>
-            <a:r>
-              <a:rPr lang="en-US" sz="4000" b="0" strike="noStrike" spc="-1">
-                <a:solidFill>
-                  <a:srgbClr val="0000CC"/>
-                </a:solidFill>
-                <a:latin typeface="Courier New"/>
-                <a:ea typeface="Noto Sans CJK SC Regular"/>
-              </a:rPr>
-              <a:t>)/w</a:t>
-            </a:r>
-            <a:r>
-              <a:rPr lang="en-US" sz="4000" b="0" strike="noStrike" spc="-1" baseline="-25000">
-                <a:solidFill>
-                  <a:srgbClr val="0000CC"/>
-                </a:solidFill>
-                <a:latin typeface="Courier New"/>
-                <a:ea typeface="Noto Sans CJK SC Regular"/>
-              </a:rPr>
-              <a:t>b</a:t>
             </a:r>
           </a:p>
           <a:p>
@@ -16167,7 +16172,7 @@
     <mc:Choice Requires="p14">
       <p:transition spd="slow" p14:dur="3000"/>
     </mc:Choice>
-    <mc:Fallback xmlns:p15="http://schemas.microsoft.com/office/powerpoint/2012/main" xmlns="">
+    <mc:Fallback xmlns="" xmlns:p15="http://schemas.microsoft.com/office/powerpoint/2012/main">
       <p:transition spd="slow"/>
     </mc:Fallback>
   </mc:AlternateContent>
